--- a/2 - Regular Expressions.pptx
+++ b/2 - Regular Expressions.pptx
@@ -120,6 +120,9 @@
   <p:extLst>
     <p:ext uri="{EFAFB233-063F-42B5-8137-9DF3F51BA10A}">
       <p15:sldGuideLst xmlns:p15="http://schemas.microsoft.com/office/powerpoint/2012/main"/>
+    </p:ext>
+    <p:ext uri="{2D200454-40CA-4A62-9FC3-DE9A4176ACB9}">
+      <p15:notesGuideLst xmlns:p15="http://schemas.microsoft.com/office/powerpoint/2012/main"/>
     </p:ext>
   </p:extLst>
 </p:presentation>
@@ -5476,36 +5479,6 @@
       </p:grpSpPr>
       <p:pic>
         <p:nvPicPr>
-          <p:cNvPr id="4" name="Picture 3">
-            <a:extLst>
-              <a:ext uri="{FF2B5EF4-FFF2-40B4-BE49-F238E27FC236}">
-                <a16:creationId xmlns:a16="http://schemas.microsoft.com/office/drawing/2014/main" id="{1D527BF9-8A85-4D77-A7BA-33E54056BDE0}"/>
-              </a:ext>
-            </a:extLst>
-          </p:cNvPr>
-          <p:cNvPicPr>
-            <a:picLocks noChangeAspect="1"/>
-          </p:cNvPicPr>
-          <p:nvPr/>
-        </p:nvPicPr>
-        <p:blipFill>
-          <a:blip r:embed="rId2"/>
-          <a:stretch>
-            <a:fillRect/>
-          </a:stretch>
-        </p:blipFill>
-        <p:spPr>
-          <a:xfrm>
-            <a:off x="116279" y="503852"/>
-            <a:ext cx="4779181" cy="2409985"/>
-          </a:xfrm>
-          <a:prstGeom prst="rect">
-            <a:avLst/>
-          </a:prstGeom>
-        </p:spPr>
-      </p:pic>
-      <p:pic>
-        <p:nvPicPr>
           <p:cNvPr id="5" name="Picture 4">
             <a:extLst>
               <a:ext uri="{FF2B5EF4-FFF2-40B4-BE49-F238E27FC236}">
@@ -5519,7 +5492,7 @@
           <p:nvPr/>
         </p:nvPicPr>
         <p:blipFill>
-          <a:blip r:embed="rId3"/>
+          <a:blip r:embed="rId2"/>
           <a:stretch>
             <a:fillRect/>
           </a:stretch>
@@ -5549,7 +5522,7 @@
           <p:nvPr/>
         </p:nvPicPr>
         <p:blipFill>
-          <a:blip r:embed="rId4"/>
+          <a:blip r:embed="rId3"/>
           <a:stretch>
             <a:fillRect/>
           </a:stretch>
@@ -5579,7 +5552,7 @@
           <p:nvPr/>
         </p:nvPicPr>
         <p:blipFill>
-          <a:blip r:embed="rId5"/>
+          <a:blip r:embed="rId4"/>
           <a:stretch>
             <a:fillRect/>
           </a:stretch>
@@ -5609,7 +5582,7 @@
           <p:nvPr/>
         </p:nvPicPr>
         <p:blipFill>
-          <a:blip r:embed="rId6"/>
+          <a:blip r:embed="rId5"/>
           <a:stretch>
             <a:fillRect/>
           </a:stretch>
@@ -5805,6 +5778,36 @@
           </a:p>
         </p:txBody>
       </p:sp>
+      <p:pic>
+        <p:nvPicPr>
+          <p:cNvPr id="2" name="Picture 1">
+            <a:extLst>
+              <a:ext uri="{FF2B5EF4-FFF2-40B4-BE49-F238E27FC236}">
+                <a16:creationId xmlns:a16="http://schemas.microsoft.com/office/drawing/2014/main" id="{4FFD89AA-2C6C-4683-A4E3-9D23426BDFBC}"/>
+              </a:ext>
+            </a:extLst>
+          </p:cNvPr>
+          <p:cNvPicPr>
+            <a:picLocks noChangeAspect="1"/>
+          </p:cNvPicPr>
+          <p:nvPr/>
+        </p:nvPicPr>
+        <p:blipFill>
+          <a:blip r:embed="rId6"/>
+          <a:stretch>
+            <a:fillRect/>
+          </a:stretch>
+        </p:blipFill>
+        <p:spPr>
+          <a:xfrm>
+            <a:off x="116279" y="503852"/>
+            <a:ext cx="5402778" cy="2764291"/>
+          </a:xfrm>
+          <a:prstGeom prst="rect">
+            <a:avLst/>
+          </a:prstGeom>
+        </p:spPr>
+      </p:pic>
     </p:spTree>
     <p:extLst>
       <p:ext uri="{BB962C8B-B14F-4D97-AF65-F5344CB8AC3E}">
@@ -5827,6 +5830,9 @@
                     <p:cTn id="3" fill="hold">
                       <p:stCondLst>
                         <p:cond delay="indefinite"/>
+                        <p:cond evt="onBegin" delay="0">
+                          <p:tn val="2"/>
+                        </p:cond>
                       </p:stCondLst>
                       <p:childTnLst>
                         <p:par>
@@ -5836,7 +5842,7 @@
                             </p:stCondLst>
                             <p:childTnLst>
                               <p:par>
-                                <p:cTn id="5" presetID="1" presetClass="entr" presetSubtype="0" fill="hold" nodeType="clickEffect">
+                                <p:cTn id="5" presetID="1" presetClass="entr" presetSubtype="0" fill="hold" grpId="0" nodeType="withEffect">
                                   <p:stCondLst>
                                     <p:cond delay="0"/>
                                   </p:stCondLst>
@@ -5844,33 +5850,6 @@
                                     <p:set>
                                       <p:cBhvr>
                                         <p:cTn id="6" dur="1" fill="hold">
-                                          <p:stCondLst>
-                                            <p:cond delay="0"/>
-                                          </p:stCondLst>
-                                        </p:cTn>
-                                        <p:tgtEl>
-                                          <p:spTgt spid="4"/>
-                                        </p:tgtEl>
-                                        <p:attrNameLst>
-                                          <p:attrName>style.visibility</p:attrName>
-                                        </p:attrNameLst>
-                                      </p:cBhvr>
-                                      <p:to>
-                                        <p:strVal val="visible"/>
-                                      </p:to>
-                                    </p:set>
-                                  </p:childTnLst>
-                                </p:cTn>
-                              </p:par>
-                              <p:par>
-                                <p:cTn id="7" presetID="1" presetClass="entr" presetSubtype="0" fill="hold" grpId="0" nodeType="withEffect">
-                                  <p:stCondLst>
-                                    <p:cond delay="0"/>
-                                  </p:stCondLst>
-                                  <p:childTnLst>
-                                    <p:set>
-                                      <p:cBhvr>
-                                        <p:cTn id="8" dur="1" fill="hold">
                                           <p:stCondLst>
                                             <p:cond delay="0"/>
                                           </p:stCondLst>
@@ -5896,26 +5875,26 @@
                     </p:cTn>
                   </p:par>
                   <p:par>
-                    <p:cTn id="9" fill="hold">
+                    <p:cTn id="7" fill="hold">
                       <p:stCondLst>
                         <p:cond delay="indefinite"/>
                       </p:stCondLst>
                       <p:childTnLst>
                         <p:par>
-                          <p:cTn id="10" fill="hold">
+                          <p:cTn id="8" fill="hold">
                             <p:stCondLst>
                               <p:cond delay="0"/>
                             </p:stCondLst>
                             <p:childTnLst>
                               <p:par>
-                                <p:cTn id="11" presetID="1" presetClass="entr" presetSubtype="0" fill="hold" grpId="0" nodeType="clickEffect">
+                                <p:cTn id="9" presetID="1" presetClass="entr" presetSubtype="0" fill="hold" grpId="0" nodeType="clickEffect">
                                   <p:stCondLst>
                                     <p:cond delay="0"/>
                                   </p:stCondLst>
                                   <p:childTnLst>
                                     <p:set>
                                       <p:cBhvr>
-                                        <p:cTn id="12" dur="1" fill="hold">
+                                        <p:cTn id="10" dur="1" fill="hold">
                                           <p:stCondLst>
                                             <p:cond delay="0"/>
                                           </p:stCondLst>
@@ -5935,14 +5914,14 @@
                                 </p:cTn>
                               </p:par>
                               <p:par>
-                                <p:cTn id="13" presetID="1" presetClass="entr" presetSubtype="0" fill="hold" nodeType="withEffect">
+                                <p:cTn id="11" presetID="1" presetClass="entr" presetSubtype="0" fill="hold" nodeType="withEffect">
                                   <p:stCondLst>
                                     <p:cond delay="0"/>
                                   </p:stCondLst>
                                   <p:childTnLst>
                                     <p:set>
                                       <p:cBhvr>
-                                        <p:cTn id="14" dur="1" fill="hold">
+                                        <p:cTn id="12" dur="1" fill="hold">
                                           <p:stCondLst>
                                             <p:cond delay="0"/>
                                           </p:stCondLst>
@@ -5968,26 +5947,26 @@
                     </p:cTn>
                   </p:par>
                   <p:par>
-                    <p:cTn id="15" fill="hold">
+                    <p:cTn id="13" fill="hold">
                       <p:stCondLst>
                         <p:cond delay="indefinite"/>
                       </p:stCondLst>
                       <p:childTnLst>
                         <p:par>
-                          <p:cTn id="16" fill="hold">
+                          <p:cTn id="14" fill="hold">
                             <p:stCondLst>
                               <p:cond delay="0"/>
                             </p:stCondLst>
                             <p:childTnLst>
                               <p:par>
-                                <p:cTn id="17" presetID="1" presetClass="entr" presetSubtype="0" fill="hold" grpId="0" nodeType="clickEffect">
+                                <p:cTn id="15" presetID="1" presetClass="entr" presetSubtype="0" fill="hold" grpId="0" nodeType="clickEffect">
                                   <p:stCondLst>
                                     <p:cond delay="0"/>
                                   </p:stCondLst>
                                   <p:childTnLst>
                                     <p:set>
                                       <p:cBhvr>
-                                        <p:cTn id="18" dur="1" fill="hold">
+                                        <p:cTn id="16" dur="1" fill="hold">
                                           <p:stCondLst>
                                             <p:cond delay="0"/>
                                           </p:stCondLst>
@@ -6007,14 +5986,14 @@
                                 </p:cTn>
                               </p:par>
                               <p:par>
-                                <p:cTn id="19" presetID="1" presetClass="entr" presetSubtype="0" fill="hold" nodeType="withEffect">
+                                <p:cTn id="17" presetID="1" presetClass="entr" presetSubtype="0" fill="hold" nodeType="withEffect">
                                   <p:stCondLst>
                                     <p:cond delay="0"/>
                                   </p:stCondLst>
                                   <p:childTnLst>
                                     <p:set>
                                       <p:cBhvr>
-                                        <p:cTn id="20" dur="1" fill="hold">
+                                        <p:cTn id="18" dur="1" fill="hold">
                                           <p:stCondLst>
                                             <p:cond delay="0"/>
                                           </p:stCondLst>
@@ -6040,26 +6019,26 @@
                     </p:cTn>
                   </p:par>
                   <p:par>
-                    <p:cTn id="21" fill="hold">
+                    <p:cTn id="19" fill="hold">
                       <p:stCondLst>
                         <p:cond delay="indefinite"/>
                       </p:stCondLst>
                       <p:childTnLst>
                         <p:par>
-                          <p:cTn id="22" fill="hold">
+                          <p:cTn id="20" fill="hold">
                             <p:stCondLst>
                               <p:cond delay="0"/>
                             </p:stCondLst>
                             <p:childTnLst>
                               <p:par>
-                                <p:cTn id="23" presetID="1" presetClass="entr" presetSubtype="0" fill="hold" grpId="0" nodeType="clickEffect">
+                                <p:cTn id="21" presetID="1" presetClass="entr" presetSubtype="0" fill="hold" grpId="0" nodeType="clickEffect">
                                   <p:stCondLst>
                                     <p:cond delay="0"/>
                                   </p:stCondLst>
                                   <p:childTnLst>
                                     <p:set>
                                       <p:cBhvr>
-                                        <p:cTn id="24" dur="1" fill="hold">
+                                        <p:cTn id="22" dur="1" fill="hold">
                                           <p:stCondLst>
                                             <p:cond delay="0"/>
                                           </p:stCondLst>
@@ -6079,14 +6058,14 @@
                                 </p:cTn>
                               </p:par>
                               <p:par>
-                                <p:cTn id="25" presetID="1" presetClass="entr" presetSubtype="0" fill="hold" nodeType="withEffect">
+                                <p:cTn id="23" presetID="1" presetClass="entr" presetSubtype="0" fill="hold" nodeType="withEffect">
                                   <p:stCondLst>
                                     <p:cond delay="0"/>
                                   </p:stCondLst>
                                   <p:childTnLst>
                                     <p:set>
                                       <p:cBhvr>
-                                        <p:cTn id="26" dur="1" fill="hold">
+                                        <p:cTn id="24" dur="1" fill="hold">
                                           <p:stCondLst>
                                             <p:cond delay="0"/>
                                           </p:stCondLst>
@@ -6112,26 +6091,26 @@
                     </p:cTn>
                   </p:par>
                   <p:par>
-                    <p:cTn id="27" fill="hold">
+                    <p:cTn id="25" fill="hold">
                       <p:stCondLst>
                         <p:cond delay="indefinite"/>
                       </p:stCondLst>
                       <p:childTnLst>
                         <p:par>
-                          <p:cTn id="28" fill="hold">
+                          <p:cTn id="26" fill="hold">
                             <p:stCondLst>
                               <p:cond delay="0"/>
                             </p:stCondLst>
                             <p:childTnLst>
                               <p:par>
-                                <p:cTn id="29" presetID="1" presetClass="entr" presetSubtype="0" fill="hold" grpId="0" nodeType="clickEffect">
+                                <p:cTn id="27" presetID="1" presetClass="entr" presetSubtype="0" fill="hold" grpId="0" nodeType="clickEffect">
                                   <p:stCondLst>
                                     <p:cond delay="0"/>
                                   </p:stCondLst>
                                   <p:childTnLst>
                                     <p:set>
                                       <p:cBhvr>
-                                        <p:cTn id="30" dur="1" fill="hold">
+                                        <p:cTn id="28" dur="1" fill="hold">
                                           <p:stCondLst>
                                             <p:cond delay="0"/>
                                           </p:stCondLst>
@@ -6151,14 +6130,14 @@
                                 </p:cTn>
                               </p:par>
                               <p:par>
-                                <p:cTn id="31" presetID="1" presetClass="entr" presetSubtype="0" fill="hold" nodeType="withEffect">
+                                <p:cTn id="29" presetID="1" presetClass="entr" presetSubtype="0" fill="hold" nodeType="withEffect">
                                   <p:stCondLst>
                                     <p:cond delay="0"/>
                                   </p:stCondLst>
                                   <p:childTnLst>
                                     <p:set>
                                       <p:cBhvr>
-                                        <p:cTn id="32" dur="1" fill="hold">
+                                        <p:cTn id="30" dur="1" fill="hold">
                                           <p:stCondLst>
                                             <p:cond delay="0"/>
                                           </p:stCondLst>
